--- a/document/document_plot.pptx
+++ b/document/document_plot.pptx
@@ -10,7 +10,8 @@
     <p:sldId id="258" r:id="rId4"/>
     <p:sldId id="259" r:id="rId5"/>
     <p:sldId id="260" r:id="rId6"/>
-    <p:sldId id="261" r:id="rId7"/>
+    <p:sldId id="262" r:id="rId7"/>
+    <p:sldId id="261" r:id="rId8"/>
   </p:sldIdLst>
   <p:sldSz cx="12192000" cy="6858000"/>
   <p:notesSz cx="6858000" cy="9144000"/>
@@ -109,6 +110,11 @@
       </a:defRPr>
     </a:lvl9pPr>
   </p:defaultTextStyle>
+  <p:extLst>
+    <p:ext uri="{EFAFB233-063F-42B5-8137-9DF3F51BA10A}">
+      <p15:sldGuideLst xmlns:p15="http://schemas.microsoft.com/office/powerpoint/2012/main"/>
+    </p:ext>
+  </p:extLst>
 </p:presentation>
 </file>
 
@@ -259,7 +265,7 @@
           <a:p>
             <a:fld id="{699B446D-8EE7-47DC-A220-005103C91878}" type="datetimeFigureOut">
               <a:rPr lang="zh-TW" altLang="en-US" smtClean="0"/>
-              <a:t>2022/6/24</a:t>
+              <a:t>2022/7/18</a:t>
             </a:fld>
             <a:endParaRPr lang="zh-TW" altLang="en-US"/>
           </a:p>
@@ -457,7 +463,7 @@
           <a:p>
             <a:fld id="{699B446D-8EE7-47DC-A220-005103C91878}" type="datetimeFigureOut">
               <a:rPr lang="zh-TW" altLang="en-US" smtClean="0"/>
-              <a:t>2022/6/24</a:t>
+              <a:t>2022/7/18</a:t>
             </a:fld>
             <a:endParaRPr lang="zh-TW" altLang="en-US"/>
           </a:p>
@@ -665,7 +671,7 @@
           <a:p>
             <a:fld id="{699B446D-8EE7-47DC-A220-005103C91878}" type="datetimeFigureOut">
               <a:rPr lang="zh-TW" altLang="en-US" smtClean="0"/>
-              <a:t>2022/6/24</a:t>
+              <a:t>2022/7/18</a:t>
             </a:fld>
             <a:endParaRPr lang="zh-TW" altLang="en-US"/>
           </a:p>
@@ -863,7 +869,7 @@
           <a:p>
             <a:fld id="{699B446D-8EE7-47DC-A220-005103C91878}" type="datetimeFigureOut">
               <a:rPr lang="zh-TW" altLang="en-US" smtClean="0"/>
-              <a:t>2022/6/24</a:t>
+              <a:t>2022/7/18</a:t>
             </a:fld>
             <a:endParaRPr lang="zh-TW" altLang="en-US"/>
           </a:p>
@@ -1138,7 +1144,7 @@
           <a:p>
             <a:fld id="{699B446D-8EE7-47DC-A220-005103C91878}" type="datetimeFigureOut">
               <a:rPr lang="zh-TW" altLang="en-US" smtClean="0"/>
-              <a:t>2022/6/24</a:t>
+              <a:t>2022/7/18</a:t>
             </a:fld>
             <a:endParaRPr lang="zh-TW" altLang="en-US"/>
           </a:p>
@@ -1403,7 +1409,7 @@
           <a:p>
             <a:fld id="{699B446D-8EE7-47DC-A220-005103C91878}" type="datetimeFigureOut">
               <a:rPr lang="zh-TW" altLang="en-US" smtClean="0"/>
-              <a:t>2022/6/24</a:t>
+              <a:t>2022/7/18</a:t>
             </a:fld>
             <a:endParaRPr lang="zh-TW" altLang="en-US"/>
           </a:p>
@@ -1815,7 +1821,7 @@
           <a:p>
             <a:fld id="{699B446D-8EE7-47DC-A220-005103C91878}" type="datetimeFigureOut">
               <a:rPr lang="zh-TW" altLang="en-US" smtClean="0"/>
-              <a:t>2022/6/24</a:t>
+              <a:t>2022/7/18</a:t>
             </a:fld>
             <a:endParaRPr lang="zh-TW" altLang="en-US"/>
           </a:p>
@@ -1956,7 +1962,7 @@
           <a:p>
             <a:fld id="{699B446D-8EE7-47DC-A220-005103C91878}" type="datetimeFigureOut">
               <a:rPr lang="zh-TW" altLang="en-US" smtClean="0"/>
-              <a:t>2022/6/24</a:t>
+              <a:t>2022/7/18</a:t>
             </a:fld>
             <a:endParaRPr lang="zh-TW" altLang="en-US"/>
           </a:p>
@@ -2069,7 +2075,7 @@
           <a:p>
             <a:fld id="{699B446D-8EE7-47DC-A220-005103C91878}" type="datetimeFigureOut">
               <a:rPr lang="zh-TW" altLang="en-US" smtClean="0"/>
-              <a:t>2022/6/24</a:t>
+              <a:t>2022/7/18</a:t>
             </a:fld>
             <a:endParaRPr lang="zh-TW" altLang="en-US"/>
           </a:p>
@@ -2380,7 +2386,7 @@
           <a:p>
             <a:fld id="{699B446D-8EE7-47DC-A220-005103C91878}" type="datetimeFigureOut">
               <a:rPr lang="zh-TW" altLang="en-US" smtClean="0"/>
-              <a:t>2022/6/24</a:t>
+              <a:t>2022/7/18</a:t>
             </a:fld>
             <a:endParaRPr lang="zh-TW" altLang="en-US"/>
           </a:p>
@@ -2668,7 +2674,7 @@
           <a:p>
             <a:fld id="{699B446D-8EE7-47DC-A220-005103C91878}" type="datetimeFigureOut">
               <a:rPr lang="zh-TW" altLang="en-US" smtClean="0"/>
-              <a:t>2022/6/24</a:t>
+              <a:t>2022/7/18</a:t>
             </a:fld>
             <a:endParaRPr lang="zh-TW" altLang="en-US"/>
           </a:p>
@@ -2909,7 +2915,7 @@
           <a:p>
             <a:fld id="{699B446D-8EE7-47DC-A220-005103C91878}" type="datetimeFigureOut">
               <a:rPr lang="zh-TW" altLang="en-US" smtClean="0"/>
-              <a:t>2022/6/24</a:t>
+              <a:t>2022/7/18</a:t>
             </a:fld>
             <a:endParaRPr lang="zh-TW" altLang="en-US"/>
           </a:p>
@@ -12099,6 +12105,846 @@
           <a:chExt cx="0" cy="0"/>
         </a:xfrm>
       </p:grpSpPr>
+      <p:grpSp>
+        <p:nvGrpSpPr>
+          <p:cNvPr id="2" name="群組 1">
+            <a:extLst>
+              <a:ext uri="{FF2B5EF4-FFF2-40B4-BE49-F238E27FC236}">
+                <a16:creationId xmlns:a16="http://schemas.microsoft.com/office/drawing/2014/main" id="{926FA861-0B93-E406-9608-51EB8039608D}"/>
+              </a:ext>
+            </a:extLst>
+          </p:cNvPr>
+          <p:cNvGrpSpPr/>
+          <p:nvPr/>
+        </p:nvGrpSpPr>
+        <p:grpSpPr>
+          <a:xfrm>
+            <a:off x="757378" y="715559"/>
+            <a:ext cx="8280001" cy="1837278"/>
+            <a:chOff x="757378" y="715559"/>
+            <a:chExt cx="8280001" cy="1837278"/>
+          </a:xfrm>
+        </p:grpSpPr>
+        <p:grpSp>
+          <p:nvGrpSpPr>
+            <p:cNvPr id="4" name="群組 3">
+              <a:extLst>
+                <a:ext uri="{FF2B5EF4-FFF2-40B4-BE49-F238E27FC236}">
+                  <a16:creationId xmlns:a16="http://schemas.microsoft.com/office/drawing/2014/main" id="{65953FE9-9B30-B37E-9049-FC02D30FA791}"/>
+                </a:ext>
+              </a:extLst>
+            </p:cNvPr>
+            <p:cNvGrpSpPr/>
+            <p:nvPr/>
+          </p:nvGrpSpPr>
+          <p:grpSpPr>
+            <a:xfrm>
+              <a:off x="757379" y="715559"/>
+              <a:ext cx="8280000" cy="581552"/>
+              <a:chOff x="757379" y="715559"/>
+              <a:chExt cx="8285021" cy="581552"/>
+            </a:xfrm>
+          </p:grpSpPr>
+          <p:cxnSp>
+            <p:nvCxnSpPr>
+              <p:cNvPr id="5" name="直線接點 4">
+                <a:extLst>
+                  <a:ext uri="{FF2B5EF4-FFF2-40B4-BE49-F238E27FC236}">
+                    <a16:creationId xmlns:a16="http://schemas.microsoft.com/office/drawing/2014/main" id="{E8FC0C92-9D35-25D1-E2DB-8EBCA78971B6}"/>
+                  </a:ext>
+                </a:extLst>
+              </p:cNvPr>
+              <p:cNvCxnSpPr>
+                <a:cxnSpLocks noChangeAspect="1"/>
+              </p:cNvCxnSpPr>
+              <p:nvPr/>
+            </p:nvCxnSpPr>
+            <p:spPr>
+              <a:xfrm>
+                <a:off x="757379" y="1131156"/>
+                <a:ext cx="8285021" cy="0"/>
+              </a:xfrm>
+              <a:prstGeom prst="line">
+                <a:avLst/>
+              </a:prstGeom>
+              <a:ln w="28575">
+                <a:tailEnd type="triangle"/>
+              </a:ln>
+            </p:spPr>
+            <p:style>
+              <a:lnRef idx="1">
+                <a:schemeClr val="dk1"/>
+              </a:lnRef>
+              <a:fillRef idx="0">
+                <a:schemeClr val="dk1"/>
+              </a:fillRef>
+              <a:effectRef idx="0">
+                <a:schemeClr val="dk1"/>
+              </a:effectRef>
+              <a:fontRef idx="minor">
+                <a:schemeClr val="tx1"/>
+              </a:fontRef>
+            </p:style>
+          </p:cxnSp>
+          <p:cxnSp>
+            <p:nvCxnSpPr>
+              <p:cNvPr id="7" name="直線接點 6">
+                <a:extLst>
+                  <a:ext uri="{FF2B5EF4-FFF2-40B4-BE49-F238E27FC236}">
+                    <a16:creationId xmlns:a16="http://schemas.microsoft.com/office/drawing/2014/main" id="{A06F3293-C4C7-D68F-76E6-EAB934AA380F}"/>
+                  </a:ext>
+                </a:extLst>
+              </p:cNvPr>
+              <p:cNvCxnSpPr>
+                <a:cxnSpLocks noChangeAspect="1"/>
+              </p:cNvCxnSpPr>
+              <p:nvPr/>
+            </p:nvCxnSpPr>
+            <p:spPr>
+              <a:xfrm>
+                <a:off x="1371345" y="932491"/>
+                <a:ext cx="0" cy="360000"/>
+              </a:xfrm>
+              <a:prstGeom prst="line">
+                <a:avLst/>
+              </a:prstGeom>
+              <a:ln w="28575"/>
+            </p:spPr>
+            <p:style>
+              <a:lnRef idx="1">
+                <a:schemeClr val="dk1"/>
+              </a:lnRef>
+              <a:fillRef idx="0">
+                <a:schemeClr val="dk1"/>
+              </a:fillRef>
+              <a:effectRef idx="0">
+                <a:schemeClr val="dk1"/>
+              </a:effectRef>
+              <a:fontRef idx="minor">
+                <a:schemeClr val="tx1"/>
+              </a:fontRef>
+            </p:style>
+          </p:cxnSp>
+          <p:cxnSp>
+            <p:nvCxnSpPr>
+              <p:cNvPr id="8" name="直線接點 7">
+                <a:extLst>
+                  <a:ext uri="{FF2B5EF4-FFF2-40B4-BE49-F238E27FC236}">
+                    <a16:creationId xmlns:a16="http://schemas.microsoft.com/office/drawing/2014/main" id="{42E32586-14F3-4BAE-F9F8-7A7CCA187381}"/>
+                  </a:ext>
+                </a:extLst>
+              </p:cNvPr>
+              <p:cNvCxnSpPr>
+                <a:cxnSpLocks noChangeAspect="1"/>
+              </p:cNvCxnSpPr>
+              <p:nvPr/>
+            </p:nvCxnSpPr>
+            <p:spPr>
+              <a:xfrm>
+                <a:off x="4793427" y="937111"/>
+                <a:ext cx="0" cy="360000"/>
+              </a:xfrm>
+              <a:prstGeom prst="line">
+                <a:avLst/>
+              </a:prstGeom>
+              <a:ln w="28575"/>
+            </p:spPr>
+            <p:style>
+              <a:lnRef idx="1">
+                <a:schemeClr val="dk1"/>
+              </a:lnRef>
+              <a:fillRef idx="0">
+                <a:schemeClr val="dk1"/>
+              </a:fillRef>
+              <a:effectRef idx="0">
+                <a:schemeClr val="dk1"/>
+              </a:effectRef>
+              <a:fontRef idx="minor">
+                <a:schemeClr val="tx1"/>
+              </a:fontRef>
+            </p:style>
+          </p:cxnSp>
+          <p:cxnSp>
+            <p:nvCxnSpPr>
+              <p:cNvPr id="9" name="直線接點 8">
+                <a:extLst>
+                  <a:ext uri="{FF2B5EF4-FFF2-40B4-BE49-F238E27FC236}">
+                    <a16:creationId xmlns:a16="http://schemas.microsoft.com/office/drawing/2014/main" id="{946C5533-F18A-A511-F4A5-094D987C0AD9}"/>
+                  </a:ext>
+                </a:extLst>
+              </p:cNvPr>
+              <p:cNvCxnSpPr>
+                <a:cxnSpLocks noChangeAspect="1"/>
+              </p:cNvCxnSpPr>
+              <p:nvPr/>
+            </p:nvCxnSpPr>
+            <p:spPr>
+              <a:xfrm>
+                <a:off x="6118841" y="932491"/>
+                <a:ext cx="0" cy="360000"/>
+              </a:xfrm>
+              <a:prstGeom prst="line">
+                <a:avLst/>
+              </a:prstGeom>
+              <a:ln w="28575"/>
+            </p:spPr>
+            <p:style>
+              <a:lnRef idx="1">
+                <a:schemeClr val="dk1"/>
+              </a:lnRef>
+              <a:fillRef idx="0">
+                <a:schemeClr val="dk1"/>
+              </a:fillRef>
+              <a:effectRef idx="0">
+                <a:schemeClr val="dk1"/>
+              </a:effectRef>
+              <a:fontRef idx="minor">
+                <a:schemeClr val="tx1"/>
+              </a:fontRef>
+            </p:style>
+          </p:cxnSp>
+          <p:sp>
+            <p:nvSpPr>
+              <p:cNvPr id="12" name="文字方塊 11">
+                <a:extLst>
+                  <a:ext uri="{FF2B5EF4-FFF2-40B4-BE49-F238E27FC236}">
+                    <a16:creationId xmlns:a16="http://schemas.microsoft.com/office/drawing/2014/main" id="{A7A3B60B-D420-120A-346E-381754787F6F}"/>
+                  </a:ext>
+                </a:extLst>
+              </p:cNvPr>
+              <p:cNvSpPr txBox="1"/>
+              <p:nvPr/>
+            </p:nvSpPr>
+            <p:spPr>
+              <a:xfrm>
+                <a:off x="4972963" y="715559"/>
+                <a:ext cx="861592" cy="369332"/>
+              </a:xfrm>
+              <a:prstGeom prst="rect">
+                <a:avLst/>
+              </a:prstGeom>
+              <a:noFill/>
+            </p:spPr>
+            <p:txBody>
+              <a:bodyPr wrap="none" rtlCol="0">
+                <a:spAutoFit/>
+              </a:bodyPr>
+              <a:lstStyle/>
+              <a:p>
+                <a:r>
+                  <a:rPr lang="en-US" altLang="zh-TW" dirty="0">
+                    <a:latin typeface="Times New Roman" panose="02020603050405020304" pitchFamily="18" charset="0"/>
+                    <a:ea typeface="標楷體" panose="03000509000000000000" pitchFamily="65" charset="-120"/>
+                  </a:rPr>
+                  <a:t>Testing</a:t>
+                </a:r>
+                <a:endParaRPr lang="zh-TW" altLang="en-US" dirty="0">
+                  <a:latin typeface="Times New Roman" panose="02020603050405020304" pitchFamily="18" charset="0"/>
+                  <a:ea typeface="標楷體" panose="03000509000000000000" pitchFamily="65" charset="-120"/>
+                </a:endParaRPr>
+              </a:p>
+            </p:txBody>
+          </p:sp>
+          <p:sp>
+            <p:nvSpPr>
+              <p:cNvPr id="13" name="文字方塊 12">
+                <a:extLst>
+                  <a:ext uri="{FF2B5EF4-FFF2-40B4-BE49-F238E27FC236}">
+                    <a16:creationId xmlns:a16="http://schemas.microsoft.com/office/drawing/2014/main" id="{494A506E-628C-88B0-91A7-3EF063EFF38C}"/>
+                  </a:ext>
+                </a:extLst>
+              </p:cNvPr>
+              <p:cNvSpPr txBox="1"/>
+              <p:nvPr/>
+            </p:nvSpPr>
+            <p:spPr>
+              <a:xfrm>
+                <a:off x="2616668" y="715559"/>
+                <a:ext cx="972202" cy="369332"/>
+              </a:xfrm>
+              <a:prstGeom prst="rect">
+                <a:avLst/>
+              </a:prstGeom>
+              <a:noFill/>
+            </p:spPr>
+            <p:txBody>
+              <a:bodyPr wrap="none" rtlCol="0">
+                <a:spAutoFit/>
+              </a:bodyPr>
+              <a:lstStyle/>
+              <a:p>
+                <a:r>
+                  <a:rPr lang="en-US" altLang="zh-TW" dirty="0">
+                    <a:latin typeface="Times New Roman" panose="02020603050405020304" pitchFamily="18" charset="0"/>
+                    <a:ea typeface="標楷體" panose="03000509000000000000" pitchFamily="65" charset="-120"/>
+                  </a:rPr>
+                  <a:t>Training</a:t>
+                </a:r>
+                <a:endParaRPr lang="zh-TW" altLang="en-US" dirty="0">
+                  <a:latin typeface="Times New Roman" panose="02020603050405020304" pitchFamily="18" charset="0"/>
+                  <a:ea typeface="標楷體" panose="03000509000000000000" pitchFamily="65" charset="-120"/>
+                </a:endParaRPr>
+              </a:p>
+            </p:txBody>
+          </p:sp>
+        </p:grpSp>
+        <p:grpSp>
+          <p:nvGrpSpPr>
+            <p:cNvPr id="14" name="群組 13">
+              <a:extLst>
+                <a:ext uri="{FF2B5EF4-FFF2-40B4-BE49-F238E27FC236}">
+                  <a16:creationId xmlns:a16="http://schemas.microsoft.com/office/drawing/2014/main" id="{E504509F-EE2E-ABF8-1DAF-44492D811DDC}"/>
+                </a:ext>
+              </a:extLst>
+            </p:cNvPr>
+            <p:cNvGrpSpPr/>
+            <p:nvPr/>
+          </p:nvGrpSpPr>
+          <p:grpSpPr>
+            <a:xfrm>
+              <a:off x="757379" y="1338756"/>
+              <a:ext cx="8280000" cy="581552"/>
+              <a:chOff x="757379" y="715559"/>
+              <a:chExt cx="8280000" cy="581552"/>
+            </a:xfrm>
+          </p:grpSpPr>
+          <p:cxnSp>
+            <p:nvCxnSpPr>
+              <p:cNvPr id="15" name="直線接點 14">
+                <a:extLst>
+                  <a:ext uri="{FF2B5EF4-FFF2-40B4-BE49-F238E27FC236}">
+                    <a16:creationId xmlns:a16="http://schemas.microsoft.com/office/drawing/2014/main" id="{CDBE39A4-2F65-D40F-4FDA-3143C4D0A2D0}"/>
+                  </a:ext>
+                </a:extLst>
+              </p:cNvPr>
+              <p:cNvCxnSpPr>
+                <a:cxnSpLocks noChangeAspect="1"/>
+              </p:cNvCxnSpPr>
+              <p:nvPr/>
+            </p:nvCxnSpPr>
+            <p:spPr>
+              <a:xfrm>
+                <a:off x="757379" y="1131156"/>
+                <a:ext cx="8280000" cy="0"/>
+              </a:xfrm>
+              <a:prstGeom prst="line">
+                <a:avLst/>
+              </a:prstGeom>
+              <a:ln w="28575">
+                <a:tailEnd type="triangle"/>
+              </a:ln>
+            </p:spPr>
+            <p:style>
+              <a:lnRef idx="1">
+                <a:schemeClr val="dk1"/>
+              </a:lnRef>
+              <a:fillRef idx="0">
+                <a:schemeClr val="dk1"/>
+              </a:fillRef>
+              <a:effectRef idx="0">
+                <a:schemeClr val="dk1"/>
+              </a:effectRef>
+              <a:fontRef idx="minor">
+                <a:schemeClr val="tx1"/>
+              </a:fontRef>
+            </p:style>
+          </p:cxnSp>
+          <p:cxnSp>
+            <p:nvCxnSpPr>
+              <p:cNvPr id="16" name="直線接點 15">
+                <a:extLst>
+                  <a:ext uri="{FF2B5EF4-FFF2-40B4-BE49-F238E27FC236}">
+                    <a16:creationId xmlns:a16="http://schemas.microsoft.com/office/drawing/2014/main" id="{5A0BFCCB-DB0A-0524-6FC4-A1C7432FA178}"/>
+                  </a:ext>
+                </a:extLst>
+              </p:cNvPr>
+              <p:cNvCxnSpPr>
+                <a:cxnSpLocks noChangeAspect="1"/>
+              </p:cNvCxnSpPr>
+              <p:nvPr/>
+            </p:nvCxnSpPr>
+            <p:spPr>
+              <a:xfrm>
+                <a:off x="1371345" y="932491"/>
+                <a:ext cx="0" cy="360000"/>
+              </a:xfrm>
+              <a:prstGeom prst="line">
+                <a:avLst/>
+              </a:prstGeom>
+              <a:ln w="28575"/>
+            </p:spPr>
+            <p:style>
+              <a:lnRef idx="1">
+                <a:schemeClr val="dk1"/>
+              </a:lnRef>
+              <a:fillRef idx="0">
+                <a:schemeClr val="dk1"/>
+              </a:fillRef>
+              <a:effectRef idx="0">
+                <a:schemeClr val="dk1"/>
+              </a:effectRef>
+              <a:fontRef idx="minor">
+                <a:schemeClr val="tx1"/>
+              </a:fontRef>
+            </p:style>
+          </p:cxnSp>
+          <p:cxnSp>
+            <p:nvCxnSpPr>
+              <p:cNvPr id="17" name="直線接點 16">
+                <a:extLst>
+                  <a:ext uri="{FF2B5EF4-FFF2-40B4-BE49-F238E27FC236}">
+                    <a16:creationId xmlns:a16="http://schemas.microsoft.com/office/drawing/2014/main" id="{D9D547D1-D6B5-885E-5B94-BD55B54869E4}"/>
+                  </a:ext>
+                </a:extLst>
+              </p:cNvPr>
+              <p:cNvCxnSpPr>
+                <a:cxnSpLocks noChangeAspect="1"/>
+              </p:cNvCxnSpPr>
+              <p:nvPr/>
+            </p:nvCxnSpPr>
+            <p:spPr>
+              <a:xfrm>
+                <a:off x="6114225" y="937111"/>
+                <a:ext cx="0" cy="360000"/>
+              </a:xfrm>
+              <a:prstGeom prst="line">
+                <a:avLst/>
+              </a:prstGeom>
+              <a:ln w="28575"/>
+            </p:spPr>
+            <p:style>
+              <a:lnRef idx="1">
+                <a:schemeClr val="dk1"/>
+              </a:lnRef>
+              <a:fillRef idx="0">
+                <a:schemeClr val="dk1"/>
+              </a:fillRef>
+              <a:effectRef idx="0">
+                <a:schemeClr val="dk1"/>
+              </a:effectRef>
+              <a:fontRef idx="minor">
+                <a:schemeClr val="tx1"/>
+              </a:fontRef>
+            </p:style>
+          </p:cxnSp>
+          <p:cxnSp>
+            <p:nvCxnSpPr>
+              <p:cNvPr id="18" name="直線接點 17">
+                <a:extLst>
+                  <a:ext uri="{FF2B5EF4-FFF2-40B4-BE49-F238E27FC236}">
+                    <a16:creationId xmlns:a16="http://schemas.microsoft.com/office/drawing/2014/main" id="{1D7254F1-B1E0-840A-6135-CAFD9E76402F}"/>
+                  </a:ext>
+                </a:extLst>
+              </p:cNvPr>
+              <p:cNvCxnSpPr>
+                <a:cxnSpLocks noChangeAspect="1"/>
+              </p:cNvCxnSpPr>
+              <p:nvPr/>
+            </p:nvCxnSpPr>
+            <p:spPr>
+              <a:xfrm>
+                <a:off x="7439639" y="932491"/>
+                <a:ext cx="0" cy="360000"/>
+              </a:xfrm>
+              <a:prstGeom prst="line">
+                <a:avLst/>
+              </a:prstGeom>
+              <a:ln w="28575"/>
+            </p:spPr>
+            <p:style>
+              <a:lnRef idx="1">
+                <a:schemeClr val="dk1"/>
+              </a:lnRef>
+              <a:fillRef idx="0">
+                <a:schemeClr val="dk1"/>
+              </a:fillRef>
+              <a:effectRef idx="0">
+                <a:schemeClr val="dk1"/>
+              </a:effectRef>
+              <a:fontRef idx="minor">
+                <a:schemeClr val="tx1"/>
+              </a:fontRef>
+            </p:style>
+          </p:cxnSp>
+          <p:sp>
+            <p:nvSpPr>
+              <p:cNvPr id="19" name="文字方塊 18">
+                <a:extLst>
+                  <a:ext uri="{FF2B5EF4-FFF2-40B4-BE49-F238E27FC236}">
+                    <a16:creationId xmlns:a16="http://schemas.microsoft.com/office/drawing/2014/main" id="{96C62448-640E-14CB-ADEF-5F44207D257A}"/>
+                  </a:ext>
+                </a:extLst>
+              </p:cNvPr>
+              <p:cNvSpPr txBox="1"/>
+              <p:nvPr/>
+            </p:nvSpPr>
+            <p:spPr>
+              <a:xfrm>
+                <a:off x="6293761" y="715559"/>
+                <a:ext cx="877163" cy="369332"/>
+              </a:xfrm>
+              <a:prstGeom prst="rect">
+                <a:avLst/>
+              </a:prstGeom>
+              <a:noFill/>
+            </p:spPr>
+            <p:txBody>
+              <a:bodyPr wrap="none" rtlCol="0">
+                <a:spAutoFit/>
+              </a:bodyPr>
+              <a:lstStyle/>
+              <a:p>
+                <a:r>
+                  <a:rPr lang="en-US" altLang="zh-TW" dirty="0">
+                    <a:latin typeface="Times New Roman" panose="02020603050405020304" pitchFamily="18" charset="0"/>
+                    <a:ea typeface="標楷體" panose="03000509000000000000" pitchFamily="65" charset="-120"/>
+                  </a:rPr>
+                  <a:t>Testing</a:t>
+                </a:r>
+                <a:endParaRPr lang="zh-TW" altLang="en-US" dirty="0">
+                  <a:latin typeface="Times New Roman" panose="02020603050405020304" pitchFamily="18" charset="0"/>
+                  <a:ea typeface="標楷體" panose="03000509000000000000" pitchFamily="65" charset="-120"/>
+                </a:endParaRPr>
+              </a:p>
+            </p:txBody>
+          </p:sp>
+          <p:sp>
+            <p:nvSpPr>
+              <p:cNvPr id="20" name="文字方塊 19">
+                <a:extLst>
+                  <a:ext uri="{FF2B5EF4-FFF2-40B4-BE49-F238E27FC236}">
+                    <a16:creationId xmlns:a16="http://schemas.microsoft.com/office/drawing/2014/main" id="{D7568BDE-8B49-74B7-BF26-3AD38B07A1C6}"/>
+                  </a:ext>
+                </a:extLst>
+              </p:cNvPr>
+              <p:cNvSpPr txBox="1"/>
+              <p:nvPr/>
+            </p:nvSpPr>
+            <p:spPr>
+              <a:xfrm>
+                <a:off x="2616668" y="715559"/>
+                <a:ext cx="971613" cy="369332"/>
+              </a:xfrm>
+              <a:prstGeom prst="rect">
+                <a:avLst/>
+              </a:prstGeom>
+              <a:noFill/>
+            </p:spPr>
+            <p:txBody>
+              <a:bodyPr wrap="none" rtlCol="0">
+                <a:spAutoFit/>
+              </a:bodyPr>
+              <a:lstStyle/>
+              <a:p>
+                <a:r>
+                  <a:rPr lang="en-US" altLang="zh-TW" dirty="0">
+                    <a:latin typeface="Times New Roman" panose="02020603050405020304" pitchFamily="18" charset="0"/>
+                    <a:ea typeface="標楷體" panose="03000509000000000000" pitchFamily="65" charset="-120"/>
+                  </a:rPr>
+                  <a:t>Training</a:t>
+                </a:r>
+                <a:endParaRPr lang="zh-TW" altLang="en-US" dirty="0">
+                  <a:latin typeface="Times New Roman" panose="02020603050405020304" pitchFamily="18" charset="0"/>
+                  <a:ea typeface="標楷體" panose="03000509000000000000" pitchFamily="65" charset="-120"/>
+                </a:endParaRPr>
+              </a:p>
+            </p:txBody>
+          </p:sp>
+        </p:grpSp>
+        <p:grpSp>
+          <p:nvGrpSpPr>
+            <p:cNvPr id="21" name="群組 20">
+              <a:extLst>
+                <a:ext uri="{FF2B5EF4-FFF2-40B4-BE49-F238E27FC236}">
+                  <a16:creationId xmlns:a16="http://schemas.microsoft.com/office/drawing/2014/main" id="{12B3F4D0-36E4-9068-27E8-2DDAA29504CD}"/>
+                </a:ext>
+              </a:extLst>
+            </p:cNvPr>
+            <p:cNvGrpSpPr/>
+            <p:nvPr/>
+          </p:nvGrpSpPr>
+          <p:grpSpPr>
+            <a:xfrm>
+              <a:off x="757378" y="1971285"/>
+              <a:ext cx="8280000" cy="581552"/>
+              <a:chOff x="757379" y="715559"/>
+              <a:chExt cx="8280000" cy="581552"/>
+            </a:xfrm>
+          </p:grpSpPr>
+          <p:cxnSp>
+            <p:nvCxnSpPr>
+              <p:cNvPr id="22" name="直線接點 21">
+                <a:extLst>
+                  <a:ext uri="{FF2B5EF4-FFF2-40B4-BE49-F238E27FC236}">
+                    <a16:creationId xmlns:a16="http://schemas.microsoft.com/office/drawing/2014/main" id="{60651CE2-39AE-2B04-4B76-B06C11909455}"/>
+                  </a:ext>
+                </a:extLst>
+              </p:cNvPr>
+              <p:cNvCxnSpPr>
+                <a:cxnSpLocks noChangeAspect="1"/>
+              </p:cNvCxnSpPr>
+              <p:nvPr/>
+            </p:nvCxnSpPr>
+            <p:spPr>
+              <a:xfrm>
+                <a:off x="757379" y="1131156"/>
+                <a:ext cx="8280000" cy="0"/>
+              </a:xfrm>
+              <a:prstGeom prst="line">
+                <a:avLst/>
+              </a:prstGeom>
+              <a:ln w="28575">
+                <a:tailEnd type="triangle"/>
+              </a:ln>
+            </p:spPr>
+            <p:style>
+              <a:lnRef idx="1">
+                <a:schemeClr val="dk1"/>
+              </a:lnRef>
+              <a:fillRef idx="0">
+                <a:schemeClr val="dk1"/>
+              </a:fillRef>
+              <a:effectRef idx="0">
+                <a:schemeClr val="dk1"/>
+              </a:effectRef>
+              <a:fontRef idx="minor">
+                <a:schemeClr val="tx1"/>
+              </a:fontRef>
+            </p:style>
+          </p:cxnSp>
+          <p:cxnSp>
+            <p:nvCxnSpPr>
+              <p:cNvPr id="23" name="直線接點 22">
+                <a:extLst>
+                  <a:ext uri="{FF2B5EF4-FFF2-40B4-BE49-F238E27FC236}">
+                    <a16:creationId xmlns:a16="http://schemas.microsoft.com/office/drawing/2014/main" id="{ED987FAD-4DF4-DDBE-605D-E83B532AFDB4}"/>
+                  </a:ext>
+                </a:extLst>
+              </p:cNvPr>
+              <p:cNvCxnSpPr>
+                <a:cxnSpLocks noChangeAspect="1"/>
+              </p:cNvCxnSpPr>
+              <p:nvPr/>
+            </p:nvCxnSpPr>
+            <p:spPr>
+              <a:xfrm>
+                <a:off x="1371345" y="932491"/>
+                <a:ext cx="0" cy="360000"/>
+              </a:xfrm>
+              <a:prstGeom prst="line">
+                <a:avLst/>
+              </a:prstGeom>
+              <a:ln w="28575"/>
+            </p:spPr>
+            <p:style>
+              <a:lnRef idx="1">
+                <a:schemeClr val="dk1"/>
+              </a:lnRef>
+              <a:fillRef idx="0">
+                <a:schemeClr val="dk1"/>
+              </a:fillRef>
+              <a:effectRef idx="0">
+                <a:schemeClr val="dk1"/>
+              </a:effectRef>
+              <a:fontRef idx="minor">
+                <a:schemeClr val="tx1"/>
+              </a:fontRef>
+            </p:style>
+          </p:cxnSp>
+          <p:cxnSp>
+            <p:nvCxnSpPr>
+              <p:cNvPr id="24" name="直線接點 23">
+                <a:extLst>
+                  <a:ext uri="{FF2B5EF4-FFF2-40B4-BE49-F238E27FC236}">
+                    <a16:creationId xmlns:a16="http://schemas.microsoft.com/office/drawing/2014/main" id="{95534543-7EC2-42C8-92E8-0BB777C6D36A}"/>
+                  </a:ext>
+                </a:extLst>
+              </p:cNvPr>
+              <p:cNvCxnSpPr>
+                <a:cxnSpLocks noChangeAspect="1"/>
+              </p:cNvCxnSpPr>
+              <p:nvPr/>
+            </p:nvCxnSpPr>
+            <p:spPr>
+              <a:xfrm>
+                <a:off x="7435027" y="937111"/>
+                <a:ext cx="0" cy="360000"/>
+              </a:xfrm>
+              <a:prstGeom prst="line">
+                <a:avLst/>
+              </a:prstGeom>
+              <a:ln w="28575"/>
+            </p:spPr>
+            <p:style>
+              <a:lnRef idx="1">
+                <a:schemeClr val="dk1"/>
+              </a:lnRef>
+              <a:fillRef idx="0">
+                <a:schemeClr val="dk1"/>
+              </a:fillRef>
+              <a:effectRef idx="0">
+                <a:schemeClr val="dk1"/>
+              </a:effectRef>
+              <a:fontRef idx="minor">
+                <a:schemeClr val="tx1"/>
+              </a:fontRef>
+            </p:style>
+          </p:cxnSp>
+          <p:cxnSp>
+            <p:nvCxnSpPr>
+              <p:cNvPr id="25" name="直線接點 24">
+                <a:extLst>
+                  <a:ext uri="{FF2B5EF4-FFF2-40B4-BE49-F238E27FC236}">
+                    <a16:creationId xmlns:a16="http://schemas.microsoft.com/office/drawing/2014/main" id="{30C8A6C4-3EAE-058C-D260-4619E0F682A8}"/>
+                  </a:ext>
+                </a:extLst>
+              </p:cNvPr>
+              <p:cNvCxnSpPr>
+                <a:cxnSpLocks noChangeAspect="1"/>
+              </p:cNvCxnSpPr>
+              <p:nvPr/>
+            </p:nvCxnSpPr>
+            <p:spPr>
+              <a:xfrm>
+                <a:off x="8760441" y="932491"/>
+                <a:ext cx="0" cy="360000"/>
+              </a:xfrm>
+              <a:prstGeom prst="line">
+                <a:avLst/>
+              </a:prstGeom>
+              <a:ln w="28575"/>
+            </p:spPr>
+            <p:style>
+              <a:lnRef idx="1">
+                <a:schemeClr val="dk1"/>
+              </a:lnRef>
+              <a:fillRef idx="0">
+                <a:schemeClr val="dk1"/>
+              </a:fillRef>
+              <a:effectRef idx="0">
+                <a:schemeClr val="dk1"/>
+              </a:effectRef>
+              <a:fontRef idx="minor">
+                <a:schemeClr val="tx1"/>
+              </a:fontRef>
+            </p:style>
+          </p:cxnSp>
+          <p:sp>
+            <p:nvSpPr>
+              <p:cNvPr id="26" name="文字方塊 25">
+                <a:extLst>
+                  <a:ext uri="{FF2B5EF4-FFF2-40B4-BE49-F238E27FC236}">
+                    <a16:creationId xmlns:a16="http://schemas.microsoft.com/office/drawing/2014/main" id="{EF332282-3870-4C7F-A278-1292234B9847}"/>
+                  </a:ext>
+                </a:extLst>
+              </p:cNvPr>
+              <p:cNvSpPr txBox="1"/>
+              <p:nvPr/>
+            </p:nvSpPr>
+            <p:spPr>
+              <a:xfrm>
+                <a:off x="7614563" y="715559"/>
+                <a:ext cx="877163" cy="369332"/>
+              </a:xfrm>
+              <a:prstGeom prst="rect">
+                <a:avLst/>
+              </a:prstGeom>
+              <a:noFill/>
+            </p:spPr>
+            <p:txBody>
+              <a:bodyPr wrap="none" rtlCol="0">
+                <a:spAutoFit/>
+              </a:bodyPr>
+              <a:lstStyle/>
+              <a:p>
+                <a:r>
+                  <a:rPr lang="en-US" altLang="zh-TW" dirty="0">
+                    <a:latin typeface="Times New Roman" panose="02020603050405020304" pitchFamily="18" charset="0"/>
+                    <a:ea typeface="標楷體" panose="03000509000000000000" pitchFamily="65" charset="-120"/>
+                  </a:rPr>
+                  <a:t>Testing</a:t>
+                </a:r>
+                <a:endParaRPr lang="zh-TW" altLang="en-US" dirty="0">
+                  <a:latin typeface="Times New Roman" panose="02020603050405020304" pitchFamily="18" charset="0"/>
+                  <a:ea typeface="標楷體" panose="03000509000000000000" pitchFamily="65" charset="-120"/>
+                </a:endParaRPr>
+              </a:p>
+            </p:txBody>
+          </p:sp>
+          <p:sp>
+            <p:nvSpPr>
+              <p:cNvPr id="27" name="文字方塊 26">
+                <a:extLst>
+                  <a:ext uri="{FF2B5EF4-FFF2-40B4-BE49-F238E27FC236}">
+                    <a16:creationId xmlns:a16="http://schemas.microsoft.com/office/drawing/2014/main" id="{F79C0A69-4D93-9700-8F95-0B45D9459567}"/>
+                  </a:ext>
+                </a:extLst>
+              </p:cNvPr>
+              <p:cNvSpPr txBox="1"/>
+              <p:nvPr/>
+            </p:nvSpPr>
+            <p:spPr>
+              <a:xfrm>
+                <a:off x="2616668" y="715559"/>
+                <a:ext cx="971613" cy="369332"/>
+              </a:xfrm>
+              <a:prstGeom prst="rect">
+                <a:avLst/>
+              </a:prstGeom>
+              <a:noFill/>
+            </p:spPr>
+            <p:txBody>
+              <a:bodyPr wrap="none" rtlCol="0">
+                <a:spAutoFit/>
+              </a:bodyPr>
+              <a:lstStyle/>
+              <a:p>
+                <a:r>
+                  <a:rPr lang="en-US" altLang="zh-TW" dirty="0">
+                    <a:latin typeface="Times New Roman" panose="02020603050405020304" pitchFamily="18" charset="0"/>
+                    <a:ea typeface="標楷體" panose="03000509000000000000" pitchFamily="65" charset="-120"/>
+                  </a:rPr>
+                  <a:t>Training</a:t>
+                </a:r>
+                <a:endParaRPr lang="zh-TW" altLang="en-US" dirty="0">
+                  <a:latin typeface="Times New Roman" panose="02020603050405020304" pitchFamily="18" charset="0"/>
+                  <a:ea typeface="標楷體" panose="03000509000000000000" pitchFamily="65" charset="-120"/>
+                </a:endParaRPr>
+              </a:p>
+            </p:txBody>
+          </p:sp>
+        </p:grpSp>
+      </p:grpSp>
+    </p:spTree>
+    <p:extLst>
+      <p:ext uri="{BB962C8B-B14F-4D97-AF65-F5344CB8AC3E}">
+        <p14:creationId xmlns:p14="http://schemas.microsoft.com/office/powerpoint/2010/main" val="2657709862"/>
+      </p:ext>
+    </p:extLst>
+  </p:cSld>
+  <p:clrMapOvr>
+    <a:masterClrMapping/>
+  </p:clrMapOvr>
+</p:sld>
+</file>
+
+<file path=ppt/slides/slide7.xml><?xml version="1.0" encoding="utf-8"?>
+<p:sld xmlns:a="http://schemas.openxmlformats.org/drawingml/2006/main" xmlns:r="http://schemas.openxmlformats.org/officeDocument/2006/relationships" xmlns:p="http://schemas.openxmlformats.org/presentationml/2006/main">
+  <p:cSld>
+    <p:spTree>
+      <p:nvGrpSpPr>
+        <p:cNvPr id="1" name=""/>
+        <p:cNvGrpSpPr/>
+        <p:nvPr/>
+      </p:nvGrpSpPr>
+      <p:grpSpPr>
+        <a:xfrm>
+          <a:off x="0" y="0"/>
+          <a:ext cx="0" cy="0"/>
+          <a:chOff x="0" y="0"/>
+          <a:chExt cx="0" cy="0"/>
+        </a:xfrm>
+      </p:grpSpPr>
       <p:pic>
         <p:nvPicPr>
           <p:cNvPr id="5" name="內容版面配置區 4" descr="單一齒輪 以實心填滿">
